--- a/ALASCACA.pptx
+++ b/ALASCACA.pptx
@@ -5,24 +5,27 @@
     <p:sldMasterId id="2147483648" r:id="rId1"/>
   </p:sldMasterIdLst>
   <p:notesMasterIdLst>
-    <p:notesMasterId r:id="rId14"/>
+    <p:notesMasterId r:id="rId17"/>
   </p:notesMasterIdLst>
   <p:handoutMasterIdLst>
-    <p:handoutMasterId r:id="rId15"/>
+    <p:handoutMasterId r:id="rId18"/>
   </p:handoutMasterIdLst>
   <p:sldIdLst>
     <p:sldId id="256" r:id="rId2"/>
     <p:sldId id="271" r:id="rId3"/>
     <p:sldId id="272" r:id="rId4"/>
     <p:sldId id="261" r:id="rId5"/>
-    <p:sldId id="269" r:id="rId6"/>
-    <p:sldId id="270" r:id="rId7"/>
-    <p:sldId id="268" r:id="rId8"/>
-    <p:sldId id="262" r:id="rId9"/>
-    <p:sldId id="263" r:id="rId10"/>
-    <p:sldId id="264" r:id="rId11"/>
-    <p:sldId id="265" r:id="rId12"/>
-    <p:sldId id="266" r:id="rId13"/>
+    <p:sldId id="275" r:id="rId6"/>
+    <p:sldId id="274" r:id="rId7"/>
+    <p:sldId id="276" r:id="rId8"/>
+    <p:sldId id="269" r:id="rId9"/>
+    <p:sldId id="270" r:id="rId10"/>
+    <p:sldId id="268" r:id="rId11"/>
+    <p:sldId id="262" r:id="rId12"/>
+    <p:sldId id="263" r:id="rId13"/>
+    <p:sldId id="264" r:id="rId14"/>
+    <p:sldId id="265" r:id="rId15"/>
+    <p:sldId id="266" r:id="rId16"/>
   </p:sldIdLst>
   <p:sldSz cx="12192000" cy="6858000"/>
   <p:notesSz cx="6858000" cy="9144000"/>
@@ -3290,7 +3293,7 @@
           <a:p>
             <a:fld id="{4F820A91-B9A9-471D-A6DB-0A8A3EC793DF}" type="datetimeFigureOut">
               <a:rPr lang="fr-FR" smtClean="0"/>
-              <a:t>27/01/2018</a:t>
+              <a:t>28/01/2018</a:t>
             </a:fld>
             <a:endParaRPr lang="fr-FR"/>
           </a:p>
@@ -3450,7 +3453,7 @@
           <a:p>
             <a:fld id="{192834E6-394E-4A29-A065-F0BFB7070DD8}" type="datetimeFigureOut">
               <a:rPr lang="fr-FR" smtClean="0"/>
-              <a:t>27/01/2018</a:t>
+              <a:t>28/01/2018</a:t>
             </a:fld>
             <a:endParaRPr lang="fr-FR"/>
           </a:p>
@@ -3949,7 +3952,7 @@
             <a:pPr rtl="0"/>
             <a:fld id="{8DAEC444-603B-4F09-9A06-5917518DD901}" type="slidenum">
               <a:rPr lang="fr-FR" noProof="0" smtClean="0"/>
-              <a:t>8</a:t>
+              <a:t>5</a:t>
             </a:fld>
             <a:endParaRPr lang="fr-FR" noProof="0" dirty="0"/>
           </a:p>
@@ -3958,7 +3961,7 @@
     </p:spTree>
     <p:extLst>
       <p:ext uri="{BB962C8B-B14F-4D97-AF65-F5344CB8AC3E}">
-        <p14:creationId xmlns:p14="http://schemas.microsoft.com/office/powerpoint/2010/main" val="853134072"/>
+        <p14:creationId xmlns:p14="http://schemas.microsoft.com/office/powerpoint/2010/main" val="1882118963"/>
       </p:ext>
     </p:extLst>
   </p:cSld>
@@ -4012,7 +4015,7 @@
           <a:bodyPr/>
           <a:lstStyle/>
           <a:p>
-            <a:endParaRPr lang="fr-FR"/>
+            <a:endParaRPr lang="fr-FR" dirty="0"/>
           </a:p>
         </p:txBody>
       </p:sp>
@@ -4034,7 +4037,7 @@
             <a:pPr rtl="0"/>
             <a:fld id="{8DAEC444-603B-4F09-9A06-5917518DD901}" type="slidenum">
               <a:rPr lang="fr-FR" noProof="0" smtClean="0"/>
-              <a:t>9</a:t>
+              <a:t>6</a:t>
             </a:fld>
             <a:endParaRPr lang="fr-FR" noProof="0" dirty="0"/>
           </a:p>
@@ -4043,7 +4046,7 @@
     </p:spTree>
     <p:extLst>
       <p:ext uri="{BB962C8B-B14F-4D97-AF65-F5344CB8AC3E}">
-        <p14:creationId xmlns:p14="http://schemas.microsoft.com/office/powerpoint/2010/main" val="2351529545"/>
+        <p14:creationId xmlns:p14="http://schemas.microsoft.com/office/powerpoint/2010/main" val="288063426"/>
       </p:ext>
     </p:extLst>
   </p:cSld>
@@ -4097,7 +4100,7 @@
           <a:bodyPr/>
           <a:lstStyle/>
           <a:p>
-            <a:endParaRPr lang="fr-FR"/>
+            <a:endParaRPr lang="fr-FR" dirty="0"/>
           </a:p>
         </p:txBody>
       </p:sp>
@@ -4119,7 +4122,7 @@
             <a:pPr rtl="0"/>
             <a:fld id="{8DAEC444-603B-4F09-9A06-5917518DD901}" type="slidenum">
               <a:rPr lang="fr-FR" noProof="0" smtClean="0"/>
-              <a:t>10</a:t>
+              <a:t>11</a:t>
             </a:fld>
             <a:endParaRPr lang="fr-FR" noProof="0" dirty="0"/>
           </a:p>
@@ -4128,7 +4131,7 @@
     </p:spTree>
     <p:extLst>
       <p:ext uri="{BB962C8B-B14F-4D97-AF65-F5344CB8AC3E}">
-        <p14:creationId xmlns:p14="http://schemas.microsoft.com/office/powerpoint/2010/main" val="1956077408"/>
+        <p14:creationId xmlns:p14="http://schemas.microsoft.com/office/powerpoint/2010/main" val="853134072"/>
       </p:ext>
     </p:extLst>
   </p:cSld>
@@ -4182,7 +4185,7 @@
           <a:bodyPr/>
           <a:lstStyle/>
           <a:p>
-            <a:endParaRPr lang="fr-FR" dirty="0"/>
+            <a:endParaRPr lang="fr-FR"/>
           </a:p>
         </p:txBody>
       </p:sp>
@@ -4204,7 +4207,7 @@
             <a:pPr rtl="0"/>
             <a:fld id="{8DAEC444-603B-4F09-9A06-5917518DD901}" type="slidenum">
               <a:rPr lang="fr-FR" noProof="0" smtClean="0"/>
-              <a:t>11</a:t>
+              <a:t>12</a:t>
             </a:fld>
             <a:endParaRPr lang="fr-FR" noProof="0" dirty="0"/>
           </a:p>
@@ -4213,7 +4216,7 @@
     </p:spTree>
     <p:extLst>
       <p:ext uri="{BB962C8B-B14F-4D97-AF65-F5344CB8AC3E}">
-        <p14:creationId xmlns:p14="http://schemas.microsoft.com/office/powerpoint/2010/main" val="233337791"/>
+        <p14:creationId xmlns:p14="http://schemas.microsoft.com/office/powerpoint/2010/main" val="2351529545"/>
       </p:ext>
     </p:extLst>
   </p:cSld>
@@ -4267,7 +4270,7 @@
           <a:bodyPr/>
           <a:lstStyle/>
           <a:p>
-            <a:endParaRPr lang="fr-FR" dirty="0"/>
+            <a:endParaRPr lang="fr-FR"/>
           </a:p>
         </p:txBody>
       </p:sp>
@@ -4289,7 +4292,177 @@
             <a:pPr rtl="0"/>
             <a:fld id="{8DAEC444-603B-4F09-9A06-5917518DD901}" type="slidenum">
               <a:rPr lang="fr-FR" noProof="0" smtClean="0"/>
-              <a:t>12</a:t>
+              <a:t>13</a:t>
+            </a:fld>
+            <a:endParaRPr lang="fr-FR" noProof="0" dirty="0"/>
+          </a:p>
+        </p:txBody>
+      </p:sp>
+    </p:spTree>
+    <p:extLst>
+      <p:ext uri="{BB962C8B-B14F-4D97-AF65-F5344CB8AC3E}">
+        <p14:creationId xmlns:p14="http://schemas.microsoft.com/office/powerpoint/2010/main" val="1956077408"/>
+      </p:ext>
+    </p:extLst>
+  </p:cSld>
+  <p:clrMapOvr>
+    <a:masterClrMapping/>
+  </p:clrMapOvr>
+</p:notes>
+</file>
+
+<file path=ppt/notesSlides/notesSlide8.xml><?xml version="1.0" encoding="utf-8"?>
+<p:notes xmlns:a="http://schemas.openxmlformats.org/drawingml/2006/main" xmlns:r="http://schemas.openxmlformats.org/officeDocument/2006/relationships" xmlns:p="http://schemas.openxmlformats.org/presentationml/2006/main">
+  <p:cSld>
+    <p:spTree>
+      <p:nvGrpSpPr>
+        <p:cNvPr id="1" name=""/>
+        <p:cNvGrpSpPr/>
+        <p:nvPr/>
+      </p:nvGrpSpPr>
+      <p:grpSpPr>
+        <a:xfrm>
+          <a:off x="0" y="0"/>
+          <a:ext cx="0" cy="0"/>
+          <a:chOff x="0" y="0"/>
+          <a:chExt cx="0" cy="0"/>
+        </a:xfrm>
+      </p:grpSpPr>
+      <p:sp>
+        <p:nvSpPr>
+          <p:cNvPr id="2" name="Espace réservé de l'image des diapositives 1"/>
+          <p:cNvSpPr>
+            <a:spLocks noGrp="1" noRot="1" noChangeAspect="1"/>
+          </p:cNvSpPr>
+          <p:nvPr>
+            <p:ph type="sldImg"/>
+          </p:nvPr>
+        </p:nvSpPr>
+        <p:spPr/>
+      </p:sp>
+      <p:sp>
+        <p:nvSpPr>
+          <p:cNvPr id="3" name="Espace réservé des notes 2"/>
+          <p:cNvSpPr>
+            <a:spLocks noGrp="1"/>
+          </p:cNvSpPr>
+          <p:nvPr>
+            <p:ph type="body" idx="1"/>
+          </p:nvPr>
+        </p:nvSpPr>
+        <p:spPr/>
+        <p:txBody>
+          <a:bodyPr/>
+          <a:lstStyle/>
+          <a:p>
+            <a:endParaRPr lang="fr-FR" dirty="0"/>
+          </a:p>
+        </p:txBody>
+      </p:sp>
+      <p:sp>
+        <p:nvSpPr>
+          <p:cNvPr id="4" name="Espace réservé du numéro de diapositive 3"/>
+          <p:cNvSpPr>
+            <a:spLocks noGrp="1"/>
+          </p:cNvSpPr>
+          <p:nvPr>
+            <p:ph type="sldNum" sz="quarter" idx="10"/>
+          </p:nvPr>
+        </p:nvSpPr>
+        <p:spPr/>
+        <p:txBody>
+          <a:bodyPr/>
+          <a:lstStyle/>
+          <a:p>
+            <a:pPr rtl="0"/>
+            <a:fld id="{8DAEC444-603B-4F09-9A06-5917518DD901}" type="slidenum">
+              <a:rPr lang="fr-FR" noProof="0" smtClean="0"/>
+              <a:t>14</a:t>
+            </a:fld>
+            <a:endParaRPr lang="fr-FR" noProof="0" dirty="0"/>
+          </a:p>
+        </p:txBody>
+      </p:sp>
+    </p:spTree>
+    <p:extLst>
+      <p:ext uri="{BB962C8B-B14F-4D97-AF65-F5344CB8AC3E}">
+        <p14:creationId xmlns:p14="http://schemas.microsoft.com/office/powerpoint/2010/main" val="233337791"/>
+      </p:ext>
+    </p:extLst>
+  </p:cSld>
+  <p:clrMapOvr>
+    <a:masterClrMapping/>
+  </p:clrMapOvr>
+</p:notes>
+</file>
+
+<file path=ppt/notesSlides/notesSlide9.xml><?xml version="1.0" encoding="utf-8"?>
+<p:notes xmlns:a="http://schemas.openxmlformats.org/drawingml/2006/main" xmlns:r="http://schemas.openxmlformats.org/officeDocument/2006/relationships" xmlns:p="http://schemas.openxmlformats.org/presentationml/2006/main">
+  <p:cSld>
+    <p:spTree>
+      <p:nvGrpSpPr>
+        <p:cNvPr id="1" name=""/>
+        <p:cNvGrpSpPr/>
+        <p:nvPr/>
+      </p:nvGrpSpPr>
+      <p:grpSpPr>
+        <a:xfrm>
+          <a:off x="0" y="0"/>
+          <a:ext cx="0" cy="0"/>
+          <a:chOff x="0" y="0"/>
+          <a:chExt cx="0" cy="0"/>
+        </a:xfrm>
+      </p:grpSpPr>
+      <p:sp>
+        <p:nvSpPr>
+          <p:cNvPr id="2" name="Espace réservé de l'image des diapositives 1"/>
+          <p:cNvSpPr>
+            <a:spLocks noGrp="1" noRot="1" noChangeAspect="1"/>
+          </p:cNvSpPr>
+          <p:nvPr>
+            <p:ph type="sldImg"/>
+          </p:nvPr>
+        </p:nvSpPr>
+        <p:spPr/>
+      </p:sp>
+      <p:sp>
+        <p:nvSpPr>
+          <p:cNvPr id="3" name="Espace réservé des notes 2"/>
+          <p:cNvSpPr>
+            <a:spLocks noGrp="1"/>
+          </p:cNvSpPr>
+          <p:nvPr>
+            <p:ph type="body" idx="1"/>
+          </p:nvPr>
+        </p:nvSpPr>
+        <p:spPr/>
+        <p:txBody>
+          <a:bodyPr/>
+          <a:lstStyle/>
+          <a:p>
+            <a:endParaRPr lang="fr-FR" dirty="0"/>
+          </a:p>
+        </p:txBody>
+      </p:sp>
+      <p:sp>
+        <p:nvSpPr>
+          <p:cNvPr id="4" name="Espace réservé du numéro de diapositive 3"/>
+          <p:cNvSpPr>
+            <a:spLocks noGrp="1"/>
+          </p:cNvSpPr>
+          <p:nvPr>
+            <p:ph type="sldNum" sz="quarter" idx="10"/>
+          </p:nvPr>
+        </p:nvSpPr>
+        <p:spPr/>
+        <p:txBody>
+          <a:bodyPr/>
+          <a:lstStyle/>
+          <a:p>
+            <a:pPr rtl="0"/>
+            <a:fld id="{8DAEC444-603B-4F09-9A06-5917518DD901}" type="slidenum">
+              <a:rPr lang="fr-FR" noProof="0" smtClean="0"/>
+              <a:t>15</a:t>
             </a:fld>
             <a:endParaRPr lang="fr-FR" noProof="0" dirty="0"/>
           </a:p>
@@ -4653,7 +4826,7 @@
             <a:pPr rtl="0"/>
             <a:fld id="{63145F8B-D797-465B-B78C-7279F07D42BD}" type="datetime1">
               <a:rPr lang="fr-FR" smtClean="0"/>
-              <a:t>27/01/2018</a:t>
+              <a:t>28/01/2018</a:t>
             </a:fld>
             <a:endParaRPr lang="fr-FR" dirty="0"/>
           </a:p>
@@ -4853,7 +5026,7 @@
             <a:pPr rtl="0"/>
             <a:fld id="{3EA680EB-9C5B-468E-94D2-FC3F135306CB}" type="datetime1">
               <a:rPr lang="fr-FR" smtClean="0"/>
-              <a:t>27/01/2018</a:t>
+              <a:t>28/01/2018</a:t>
             </a:fld>
             <a:endParaRPr lang="fr-FR" dirty="0"/>
           </a:p>
@@ -5042,7 +5215,7 @@
           <a:p>
             <a:fld id="{6BF52303-ACA3-43B5-AF41-2A2884377A4A}" type="datetime1">
               <a:rPr lang="fr-FR" smtClean="0"/>
-              <a:t>27/01/2018</a:t>
+              <a:t>28/01/2018</a:t>
             </a:fld>
             <a:endParaRPr lang="fr-FR" dirty="0"/>
           </a:p>
@@ -5571,7 +5744,7 @@
           <a:p>
             <a:fld id="{15F7B896-5C79-4AD2-AE92-18965AB8B876}" type="datetime1">
               <a:rPr lang="fr-FR" smtClean="0"/>
-              <a:t>27/01/2018</a:t>
+              <a:t>28/01/2018</a:t>
             </a:fld>
             <a:endParaRPr lang="fr-FR" dirty="0"/>
           </a:p>
@@ -6019,7 +6192,7 @@
             <a:pPr rtl="0"/>
             <a:fld id="{8538FF1F-1B37-4856-9143-0BEBF0EC68D6}" type="datetime1">
               <a:rPr lang="fr-FR" smtClean="0"/>
-              <a:t>27/01/2018</a:t>
+              <a:t>28/01/2018</a:t>
             </a:fld>
             <a:endParaRPr lang="fr-FR" dirty="0"/>
           </a:p>
@@ -6153,7 +6326,7 @@
             <a:pPr rtl="0"/>
             <a:fld id="{DD6352C7-234F-45AD-BE3E-A6AFB999AE05}" type="datetime1">
               <a:rPr lang="fr-FR" smtClean="0"/>
-              <a:t>27/01/2018</a:t>
+              <a:t>28/01/2018</a:t>
             </a:fld>
             <a:endParaRPr lang="fr-FR" dirty="0"/>
           </a:p>
@@ -6263,7 +6436,7 @@
             <a:pPr rtl="0"/>
             <a:fld id="{EFA5B146-771A-4406-A1B9-DCD1B2A68FBF}" type="datetime1">
               <a:rPr lang="fr-FR" smtClean="0"/>
-              <a:t>27/01/2018</a:t>
+              <a:t>28/01/2018</a:t>
             </a:fld>
             <a:endParaRPr lang="fr-FR" dirty="0"/>
           </a:p>
@@ -6563,7 +6736,7 @@
             <a:pPr rtl="0"/>
             <a:fld id="{66D5249D-A53B-444E-99B7-3D5AF9BB23DB}" type="datetime1">
               <a:rPr lang="fr-FR" smtClean="0"/>
-              <a:t>27/01/2018</a:t>
+              <a:t>28/01/2018</a:t>
             </a:fld>
             <a:endParaRPr lang="fr-FR" dirty="0"/>
           </a:p>
@@ -6845,7 +7018,7 @@
           <a:p>
             <a:fld id="{590142C6-702C-45A5-A0B0-80ADB370C5B1}" type="datetime1">
               <a:rPr lang="fr-FR" smtClean="0"/>
-              <a:t>27/01/2018</a:t>
+              <a:t>28/01/2018</a:t>
             </a:fld>
             <a:endParaRPr lang="fr-FR" dirty="0"/>
           </a:p>
@@ -7139,7 +7312,7 @@
           <a:p>
             <a:fld id="{4D7E7E7C-5627-43AA-8DD9-7D27F42C4A7A}" type="datetime1">
               <a:rPr lang="fr-FR" smtClean="0"/>
-              <a:t>27/01/2018</a:t>
+              <a:t>28/01/2018</a:t>
             </a:fld>
             <a:endParaRPr lang="fr-FR" dirty="0"/>
           </a:p>
@@ -7662,10 +7835,10 @@
       </p:grpSpPr>
       <p:sp>
         <p:nvSpPr>
-          <p:cNvPr id="2" name="Espace réservé du numéro de diapositive 1">
+          <p:cNvPr id="2" name="Titre 1">
             <a:extLst>
               <a:ext uri="{FF2B5EF4-FFF2-40B4-BE49-F238E27FC236}">
-                <a16:creationId xmlns:a16="http://schemas.microsoft.com/office/drawing/2014/main" id="{2429C917-A3F8-4D30-A39A-A9F51CBACFF5}"/>
+                <a16:creationId xmlns:a16="http://schemas.microsoft.com/office/drawing/2014/main" id="{7E21FA38-D7B8-476B-8A9F-8D4702CE4DD1}"/>
               </a:ext>
             </a:extLst>
           </p:cNvPr>
@@ -7673,7 +7846,7 @@
             <a:spLocks noGrp="1"/>
           </p:cNvSpPr>
           <p:nvPr>
-            <p:ph type="sldNum" sz="quarter" idx="12"/>
+            <p:ph type="title"/>
           </p:nvPr>
         </p:nvSpPr>
         <p:spPr/>
@@ -7681,19 +7854,42 @@
           <a:bodyPr/>
           <a:lstStyle/>
           <a:p>
-            <a:pPr rtl="0"/>
-            <a:fld id="{B13333A4-2EF1-4B79-B68C-AB20E66B4822}" type="slidenum">
-              <a:rPr lang="fr-FR" smtClean="0"/>
-              <a:t>10</a:t>
-            </a:fld>
-            <a:endParaRPr lang="fr-FR" dirty="0"/>
+            <a:r>
+              <a:rPr lang="fr-FR" dirty="0"/>
+              <a:t>Implémentation</a:t>
+            </a:r>
+          </a:p>
+        </p:txBody>
+      </p:sp>
+      <p:sp>
+        <p:nvSpPr>
+          <p:cNvPr id="3" name="Espace réservé du texte 2">
+            <a:extLst>
+              <a:ext uri="{FF2B5EF4-FFF2-40B4-BE49-F238E27FC236}">
+                <a16:creationId xmlns:a16="http://schemas.microsoft.com/office/drawing/2014/main" id="{4E193424-6C1D-4F81-BF85-8B259B138CF6}"/>
+              </a:ext>
+            </a:extLst>
+          </p:cNvPr>
+          <p:cNvSpPr>
+            <a:spLocks noGrp="1"/>
+          </p:cNvSpPr>
+          <p:nvPr>
+            <p:ph type="body" idx="1"/>
+          </p:nvPr>
+        </p:nvSpPr>
+        <p:spPr/>
+        <p:txBody>
+          <a:bodyPr/>
+          <a:lstStyle/>
+          <a:p>
+            <a:endParaRPr lang="fr-FR"/>
           </a:p>
         </p:txBody>
       </p:sp>
     </p:spTree>
     <p:extLst>
       <p:ext uri="{BB962C8B-B14F-4D97-AF65-F5344CB8AC3E}">
-        <p14:creationId xmlns:p14="http://schemas.microsoft.com/office/powerpoint/2010/main" val="4129439513"/>
+        <p14:creationId xmlns:p14="http://schemas.microsoft.com/office/powerpoint/2010/main" val="3370601921"/>
       </p:ext>
     </p:extLst>
   </p:cSld>
@@ -7734,7 +7930,7 @@
       </p:grpSpPr>
       <p:sp>
         <p:nvSpPr>
-          <p:cNvPr id="2" name="Titre 1"/>
+          <p:cNvPr id="2" name="Titre 1"/>
           <p:cNvSpPr>
             <a:spLocks noGrp="1"/>
           </p:cNvSpPr>
@@ -7750,19 +7946,19 @@
             <a:pPr rtl="0"/>
             <a:r>
               <a:rPr lang="fr-FR" dirty="0"/>
-              <a:t>Ajouter un titre de diapositive - 4</a:t>
-            </a:r>
-          </a:p>
-        </p:txBody>
-      </p:sp>
-      <p:sp>
-        <p:nvSpPr>
-          <p:cNvPr id="3" name="Espace réservé du contenu 2"/>
-          <p:cNvSpPr>
-            <a:spLocks noGrp="1"/>
-          </p:cNvSpPr>
-          <p:nvPr>
-            <p:ph idx="1"/>
+              <a:t>Ajouter un titre de diapositive - 2</a:t>
+            </a:r>
+          </a:p>
+        </p:txBody>
+      </p:sp>
+      <p:sp>
+        <p:nvSpPr>
+          <p:cNvPr id="3" name="Espace réservé du texte 2"/>
+          <p:cNvSpPr>
+            <a:spLocks noGrp="1"/>
+          </p:cNvSpPr>
+          <p:nvPr>
+            <p:ph type="body" idx="1"/>
           </p:nvPr>
         </p:nvSpPr>
         <p:spPr/>
@@ -7777,12 +7973,12 @@
       </p:sp>
       <p:sp>
         <p:nvSpPr>
-          <p:cNvPr id="4" name="Espace réservé du texte 3"/>
-          <p:cNvSpPr>
-            <a:spLocks noGrp="1"/>
-          </p:cNvSpPr>
-          <p:nvPr>
-            <p:ph type="body" sz="half" idx="2"/>
+          <p:cNvPr id="4" name="Espace réservé du contenu 3"/>
+          <p:cNvSpPr>
+            <a:spLocks noGrp="1"/>
+          </p:cNvSpPr>
+          <p:nvPr>
+            <p:ph sz="half" idx="2"/>
           </p:nvPr>
         </p:nvSpPr>
         <p:spPr/>
@@ -7797,10 +7993,50 @@
       </p:sp>
       <p:sp>
         <p:nvSpPr>
-          <p:cNvPr id="5" name="Espace réservé du numéro de diapositive 4">
+          <p:cNvPr id="5" name="Espace réservé du texte 4"/>
+          <p:cNvSpPr>
+            <a:spLocks noGrp="1"/>
+          </p:cNvSpPr>
+          <p:nvPr>
+            <p:ph type="body" sz="quarter" idx="3"/>
+          </p:nvPr>
+        </p:nvSpPr>
+        <p:spPr/>
+        <p:txBody>
+          <a:bodyPr rtlCol="0"/>
+          <a:lstStyle/>
+          <a:p>
+            <a:pPr rtl="0"/>
+            <a:endParaRPr lang="fr-FR" dirty="0"/>
+          </a:p>
+        </p:txBody>
+      </p:sp>
+      <p:sp>
+        <p:nvSpPr>
+          <p:cNvPr id="6" name="Espace réservé du contenu 5"/>
+          <p:cNvSpPr>
+            <a:spLocks noGrp="1"/>
+          </p:cNvSpPr>
+          <p:nvPr>
+            <p:ph sz="quarter" idx="4"/>
+          </p:nvPr>
+        </p:nvSpPr>
+        <p:spPr/>
+        <p:txBody>
+          <a:bodyPr rtlCol="0"/>
+          <a:lstStyle/>
+          <a:p>
+            <a:pPr rtl="0"/>
+            <a:endParaRPr lang="fr-FR" dirty="0"/>
+          </a:p>
+        </p:txBody>
+      </p:sp>
+      <p:sp>
+        <p:nvSpPr>
+          <p:cNvPr id="7" name="Espace réservé du numéro de diapositive 6">
             <a:extLst>
               <a:ext uri="{FF2B5EF4-FFF2-40B4-BE49-F238E27FC236}">
-                <a16:creationId xmlns:a16="http://schemas.microsoft.com/office/drawing/2014/main" id="{A1C30A16-3A65-42D1-839B-F2D715C37D9E}"/>
+                <a16:creationId xmlns:a16="http://schemas.microsoft.com/office/drawing/2014/main" id="{6777831A-E301-466D-94E0-8C0059930608}"/>
               </a:ext>
             </a:extLst>
           </p:cNvPr>
@@ -7828,7 +8064,7 @@
     </p:spTree>
     <p:extLst>
       <p:ext uri="{BB962C8B-B14F-4D97-AF65-F5344CB8AC3E}">
-        <p14:creationId xmlns:p14="http://schemas.microsoft.com/office/powerpoint/2010/main" val="1827431122"/>
+        <p14:creationId xmlns:p14="http://schemas.microsoft.com/office/powerpoint/2010/main" val="3387061768"/>
       </p:ext>
     </p:extLst>
   </p:cSld>
@@ -7885,6 +8121,308 @@
             <a:pPr rtl="0"/>
             <a:r>
               <a:rPr lang="fr-FR" dirty="0"/>
+              <a:t>Ajouter un titre de diapositive - 3</a:t>
+            </a:r>
+          </a:p>
+        </p:txBody>
+      </p:sp>
+      <p:sp>
+        <p:nvSpPr>
+          <p:cNvPr id="3" name="Espace réservé du numéro de diapositive 2">
+            <a:extLst>
+              <a:ext uri="{FF2B5EF4-FFF2-40B4-BE49-F238E27FC236}">
+                <a16:creationId xmlns:a16="http://schemas.microsoft.com/office/drawing/2014/main" id="{C1E6598F-6401-460E-9D1A-AEFFE3BC9D3B}"/>
+              </a:ext>
+            </a:extLst>
+          </p:cNvPr>
+          <p:cNvSpPr>
+            <a:spLocks noGrp="1"/>
+          </p:cNvSpPr>
+          <p:nvPr>
+            <p:ph type="sldNum" sz="quarter" idx="12"/>
+          </p:nvPr>
+        </p:nvSpPr>
+        <p:spPr/>
+        <p:txBody>
+          <a:bodyPr/>
+          <a:lstStyle/>
+          <a:p>
+            <a:pPr rtl="0"/>
+            <a:fld id="{B13333A4-2EF1-4B79-B68C-AB20E66B4822}" type="slidenum">
+              <a:rPr lang="fr-FR" smtClean="0"/>
+              <a:t>12</a:t>
+            </a:fld>
+            <a:endParaRPr lang="fr-FR" dirty="0"/>
+          </a:p>
+        </p:txBody>
+      </p:sp>
+    </p:spTree>
+    <p:extLst>
+      <p:ext uri="{BB962C8B-B14F-4D97-AF65-F5344CB8AC3E}">
+        <p14:creationId xmlns:p14="http://schemas.microsoft.com/office/powerpoint/2010/main" val="3440500440"/>
+      </p:ext>
+    </p:extLst>
+  </p:cSld>
+  <p:clrMapOvr>
+    <a:masterClrMapping/>
+  </p:clrMapOvr>
+  <mc:AlternateContent xmlns:mc="http://schemas.openxmlformats.org/markup-compatibility/2006" xmlns:p14="http://schemas.microsoft.com/office/powerpoint/2010/main">
+    <mc:Choice Requires="p14">
+      <p:transition spd="med" p14:dur="700">
+        <p:fade/>
+      </p:transition>
+    </mc:Choice>
+    <mc:Fallback xmlns="">
+      <p:transition spd="med">
+        <p:fade/>
+      </p:transition>
+    </mc:Fallback>
+  </mc:AlternateContent>
+</p:sld>
+</file>
+
+<file path=ppt/slides/slide13.xml><?xml version="1.0" encoding="utf-8"?>
+<p:sld xmlns:a="http://schemas.openxmlformats.org/drawingml/2006/main" xmlns:r="http://schemas.openxmlformats.org/officeDocument/2006/relationships" xmlns:p="http://schemas.openxmlformats.org/presentationml/2006/main">
+  <p:cSld>
+    <p:spTree>
+      <p:nvGrpSpPr>
+        <p:cNvPr id="1" name=""/>
+        <p:cNvGrpSpPr/>
+        <p:nvPr/>
+      </p:nvGrpSpPr>
+      <p:grpSpPr>
+        <a:xfrm>
+          <a:off x="0" y="0"/>
+          <a:ext cx="0" cy="0"/>
+          <a:chOff x="0" y="0"/>
+          <a:chExt cx="0" cy="0"/>
+        </a:xfrm>
+      </p:grpSpPr>
+      <p:sp>
+        <p:nvSpPr>
+          <p:cNvPr id="2" name="Espace réservé du numéro de diapositive 1">
+            <a:extLst>
+              <a:ext uri="{FF2B5EF4-FFF2-40B4-BE49-F238E27FC236}">
+                <a16:creationId xmlns:a16="http://schemas.microsoft.com/office/drawing/2014/main" id="{2429C917-A3F8-4D30-A39A-A9F51CBACFF5}"/>
+              </a:ext>
+            </a:extLst>
+          </p:cNvPr>
+          <p:cNvSpPr>
+            <a:spLocks noGrp="1"/>
+          </p:cNvSpPr>
+          <p:nvPr>
+            <p:ph type="sldNum" sz="quarter" idx="12"/>
+          </p:nvPr>
+        </p:nvSpPr>
+        <p:spPr/>
+        <p:txBody>
+          <a:bodyPr/>
+          <a:lstStyle/>
+          <a:p>
+            <a:pPr rtl="0"/>
+            <a:fld id="{B13333A4-2EF1-4B79-B68C-AB20E66B4822}" type="slidenum">
+              <a:rPr lang="fr-FR" smtClean="0"/>
+              <a:t>13</a:t>
+            </a:fld>
+            <a:endParaRPr lang="fr-FR" dirty="0"/>
+          </a:p>
+        </p:txBody>
+      </p:sp>
+    </p:spTree>
+    <p:extLst>
+      <p:ext uri="{BB962C8B-B14F-4D97-AF65-F5344CB8AC3E}">
+        <p14:creationId xmlns:p14="http://schemas.microsoft.com/office/powerpoint/2010/main" val="4129439513"/>
+      </p:ext>
+    </p:extLst>
+  </p:cSld>
+  <p:clrMapOvr>
+    <a:masterClrMapping/>
+  </p:clrMapOvr>
+  <mc:AlternateContent xmlns:mc="http://schemas.openxmlformats.org/markup-compatibility/2006" xmlns:p14="http://schemas.microsoft.com/office/powerpoint/2010/main">
+    <mc:Choice Requires="p14">
+      <p:transition spd="med" p14:dur="700">
+        <p:fade/>
+      </p:transition>
+    </mc:Choice>
+    <mc:Fallback xmlns="">
+      <p:transition spd="med">
+        <p:fade/>
+      </p:transition>
+    </mc:Fallback>
+  </mc:AlternateContent>
+</p:sld>
+</file>
+
+<file path=ppt/slides/slide14.xml><?xml version="1.0" encoding="utf-8"?>
+<p:sld xmlns:a="http://schemas.openxmlformats.org/drawingml/2006/main" xmlns:r="http://schemas.openxmlformats.org/officeDocument/2006/relationships" xmlns:p="http://schemas.openxmlformats.org/presentationml/2006/main">
+  <p:cSld>
+    <p:spTree>
+      <p:nvGrpSpPr>
+        <p:cNvPr id="1" name=""/>
+        <p:cNvGrpSpPr/>
+        <p:nvPr/>
+      </p:nvGrpSpPr>
+      <p:grpSpPr>
+        <a:xfrm>
+          <a:off x="0" y="0"/>
+          <a:ext cx="0" cy="0"/>
+          <a:chOff x="0" y="0"/>
+          <a:chExt cx="0" cy="0"/>
+        </a:xfrm>
+      </p:grpSpPr>
+      <p:sp>
+        <p:nvSpPr>
+          <p:cNvPr id="2" name="Titre 1"/>
+          <p:cNvSpPr>
+            <a:spLocks noGrp="1"/>
+          </p:cNvSpPr>
+          <p:nvPr>
+            <p:ph type="title"/>
+          </p:nvPr>
+        </p:nvSpPr>
+        <p:spPr/>
+        <p:txBody>
+          <a:bodyPr rtlCol="0"/>
+          <a:lstStyle/>
+          <a:p>
+            <a:pPr rtl="0"/>
+            <a:r>
+              <a:rPr lang="fr-FR" dirty="0"/>
+              <a:t>Ajouter un titre de diapositive - 4</a:t>
+            </a:r>
+          </a:p>
+        </p:txBody>
+      </p:sp>
+      <p:sp>
+        <p:nvSpPr>
+          <p:cNvPr id="3" name="Espace réservé du contenu 2"/>
+          <p:cNvSpPr>
+            <a:spLocks noGrp="1"/>
+          </p:cNvSpPr>
+          <p:nvPr>
+            <p:ph idx="1"/>
+          </p:nvPr>
+        </p:nvSpPr>
+        <p:spPr/>
+        <p:txBody>
+          <a:bodyPr rtlCol="0"/>
+          <a:lstStyle/>
+          <a:p>
+            <a:pPr rtl="0"/>
+            <a:endParaRPr lang="fr-FR" dirty="0"/>
+          </a:p>
+        </p:txBody>
+      </p:sp>
+      <p:sp>
+        <p:nvSpPr>
+          <p:cNvPr id="4" name="Espace réservé du texte 3"/>
+          <p:cNvSpPr>
+            <a:spLocks noGrp="1"/>
+          </p:cNvSpPr>
+          <p:nvPr>
+            <p:ph type="body" sz="half" idx="2"/>
+          </p:nvPr>
+        </p:nvSpPr>
+        <p:spPr/>
+        <p:txBody>
+          <a:bodyPr rtlCol="0"/>
+          <a:lstStyle/>
+          <a:p>
+            <a:pPr rtl="0"/>
+            <a:endParaRPr lang="fr-FR" dirty="0"/>
+          </a:p>
+        </p:txBody>
+      </p:sp>
+      <p:sp>
+        <p:nvSpPr>
+          <p:cNvPr id="5" name="Espace réservé du numéro de diapositive 4">
+            <a:extLst>
+              <a:ext uri="{FF2B5EF4-FFF2-40B4-BE49-F238E27FC236}">
+                <a16:creationId xmlns:a16="http://schemas.microsoft.com/office/drawing/2014/main" id="{A1C30A16-3A65-42D1-839B-F2D715C37D9E}"/>
+              </a:ext>
+            </a:extLst>
+          </p:cNvPr>
+          <p:cNvSpPr>
+            <a:spLocks noGrp="1"/>
+          </p:cNvSpPr>
+          <p:nvPr>
+            <p:ph type="sldNum" sz="quarter" idx="12"/>
+          </p:nvPr>
+        </p:nvSpPr>
+        <p:spPr/>
+        <p:txBody>
+          <a:bodyPr/>
+          <a:lstStyle/>
+          <a:p>
+            <a:pPr rtl="0"/>
+            <a:fld id="{B13333A4-2EF1-4B79-B68C-AB20E66B4822}" type="slidenum">
+              <a:rPr lang="fr-FR" smtClean="0"/>
+              <a:t>14</a:t>
+            </a:fld>
+            <a:endParaRPr lang="fr-FR" dirty="0"/>
+          </a:p>
+        </p:txBody>
+      </p:sp>
+    </p:spTree>
+    <p:extLst>
+      <p:ext uri="{BB962C8B-B14F-4D97-AF65-F5344CB8AC3E}">
+        <p14:creationId xmlns:p14="http://schemas.microsoft.com/office/powerpoint/2010/main" val="1827431122"/>
+      </p:ext>
+    </p:extLst>
+  </p:cSld>
+  <p:clrMapOvr>
+    <a:masterClrMapping/>
+  </p:clrMapOvr>
+  <mc:AlternateContent xmlns:mc="http://schemas.openxmlformats.org/markup-compatibility/2006" xmlns:p14="http://schemas.microsoft.com/office/powerpoint/2010/main">
+    <mc:Choice Requires="p14">
+      <p:transition spd="med" p14:dur="700">
+        <p:fade/>
+      </p:transition>
+    </mc:Choice>
+    <mc:Fallback xmlns="">
+      <p:transition spd="med">
+        <p:fade/>
+      </p:transition>
+    </mc:Fallback>
+  </mc:AlternateContent>
+</p:sld>
+</file>
+
+<file path=ppt/slides/slide15.xml><?xml version="1.0" encoding="utf-8"?>
+<p:sld xmlns:a="http://schemas.openxmlformats.org/drawingml/2006/main" xmlns:r="http://schemas.openxmlformats.org/officeDocument/2006/relationships" xmlns:p="http://schemas.openxmlformats.org/presentationml/2006/main">
+  <p:cSld>
+    <p:spTree>
+      <p:nvGrpSpPr>
+        <p:cNvPr id="1" name=""/>
+        <p:cNvGrpSpPr/>
+        <p:nvPr/>
+      </p:nvGrpSpPr>
+      <p:grpSpPr>
+        <a:xfrm>
+          <a:off x="0" y="0"/>
+          <a:ext cx="0" cy="0"/>
+          <a:chOff x="0" y="0"/>
+          <a:chExt cx="0" cy="0"/>
+        </a:xfrm>
+      </p:grpSpPr>
+      <p:sp>
+        <p:nvSpPr>
+          <p:cNvPr id="2" name="Titre 1"/>
+          <p:cNvSpPr>
+            <a:spLocks noGrp="1"/>
+          </p:cNvSpPr>
+          <p:nvPr>
+            <p:ph type="title"/>
+          </p:nvPr>
+        </p:nvSpPr>
+        <p:spPr/>
+        <p:txBody>
+          <a:bodyPr rtlCol="0"/>
+          <a:lstStyle/>
+          <a:p>
+            <a:pPr rtl="0"/>
+            <a:r>
+              <a:rPr lang="fr-FR" dirty="0"/>
               <a:t>Ajouter un titre de diapositive - 5</a:t>
             </a:r>
           </a:p>
@@ -7946,7 +8484,7 @@
             <a:pPr rtl="0"/>
             <a:fld id="{B13333A4-2EF1-4B79-B68C-AB20E66B4822}" type="slidenum">
               <a:rPr lang="fr-FR" smtClean="0"/>
-              <a:t>12</a:t>
+              <a:t>15</a:t>
             </a:fld>
             <a:endParaRPr lang="fr-FR" dirty="0"/>
           </a:p>
@@ -8420,13 +8958,7 @@
       </p:grpSpPr>
       <p:sp>
         <p:nvSpPr>
-          <p:cNvPr id="12" name="Titre 11">
-            <a:extLst>
-              <a:ext uri="{FF2B5EF4-FFF2-40B4-BE49-F238E27FC236}">
-                <a16:creationId xmlns:a16="http://schemas.microsoft.com/office/drawing/2014/main" id="{D9EF3055-49D9-4A0E-963D-9C4C5A77C344}"/>
-              </a:ext>
-            </a:extLst>
-          </p:cNvPr>
+          <p:cNvPr id="2" name="Titre 1"/>
           <p:cNvSpPr>
             <a:spLocks noGrp="1"/>
           </p:cNvSpPr>
@@ -8436,151 +8968,44 @@
         </p:nvSpPr>
         <p:spPr/>
         <p:txBody>
-          <a:bodyPr/>
+          <a:bodyPr rtlCol="0"/>
           <a:lstStyle/>
           <a:p>
+            <a:pPr rtl="0"/>
             <a:r>
               <a:rPr lang="fr-FR" dirty="0"/>
-              <a:t>Ring Network</a:t>
-            </a:r>
-          </a:p>
-        </p:txBody>
-      </p:sp>
-      <p:graphicFrame>
-        <p:nvGraphicFramePr>
-          <p:cNvPr id="11" name="Espace réservé du contenu 10">
-            <a:extLst>
-              <a:ext uri="{FF2B5EF4-FFF2-40B4-BE49-F238E27FC236}">
-                <a16:creationId xmlns:a16="http://schemas.microsoft.com/office/drawing/2014/main" id="{5DDF1697-15BD-4715-96C3-CCF8C113E315}"/>
-              </a:ext>
-            </a:extLst>
-          </p:cNvPr>
-          <p:cNvGraphicFramePr>
-            <a:graphicFrameLocks noGrp="1"/>
-          </p:cNvGraphicFramePr>
-          <p:nvPr>
-            <p:ph sz="half" idx="1"/>
-            <p:extLst>
-              <p:ext uri="{D42A27DB-BD31-4B8C-83A1-F6EECF244321}">
-                <p14:modId xmlns:p14="http://schemas.microsoft.com/office/powerpoint/2010/main" val="3328096338"/>
-              </p:ext>
-            </p:extLst>
-          </p:nvPr>
-        </p:nvGraphicFramePr>
-        <p:xfrm>
-          <a:off x="838200" y="1825625"/>
-          <a:ext cx="5029200" cy="4351338"/>
-        </p:xfrm>
-        <a:graphic>
-          <a:graphicData uri="http://schemas.openxmlformats.org/drawingml/2006/diagram">
-            <dgm:relIds xmlns:dgm="http://schemas.openxmlformats.org/drawingml/2006/diagram" xmlns:r="http://schemas.openxmlformats.org/officeDocument/2006/relationships" r:dm="rId2" r:lo="rId3" r:qs="rId4" r:cs="rId5"/>
-          </a:graphicData>
-        </a:graphic>
-      </p:graphicFrame>
-      <p:sp>
-        <p:nvSpPr>
-          <p:cNvPr id="13" name="Espace réservé du contenu 12">
-            <a:extLst>
-              <a:ext uri="{FF2B5EF4-FFF2-40B4-BE49-F238E27FC236}">
-                <a16:creationId xmlns:a16="http://schemas.microsoft.com/office/drawing/2014/main" id="{595D8FC3-C02E-41E4-A05E-683B729B65A4}"/>
-              </a:ext>
-            </a:extLst>
-          </p:cNvPr>
-          <p:cNvSpPr>
-            <a:spLocks noGrp="1"/>
-          </p:cNvSpPr>
-          <p:nvPr>
-            <p:ph sz="half" idx="2"/>
+              <a:t>Conception</a:t>
+            </a:r>
+          </a:p>
+        </p:txBody>
+      </p:sp>
+      <p:sp>
+        <p:nvSpPr>
+          <p:cNvPr id="3" name="Espace réservé du texte 2"/>
+          <p:cNvSpPr>
+            <a:spLocks noGrp="1"/>
+          </p:cNvSpPr>
+          <p:nvPr>
+            <p:ph type="body" idx="1"/>
           </p:nvPr>
         </p:nvSpPr>
         <p:spPr/>
         <p:txBody>
-          <a:bodyPr/>
+          <a:bodyPr rtlCol="0"/>
           <a:lstStyle/>
           <a:p>
+            <a:pPr rtl="0"/>
             <a:r>
               <a:rPr lang="fr-FR" dirty="0"/>
-              <a:t>Fonctionnement en pulse (faut chercher le mot)</a:t>
-            </a:r>
-          </a:p>
-          <a:p>
-            <a:endParaRPr lang="fr-FR" dirty="0"/>
-          </a:p>
-          <a:p>
-            <a:r>
-              <a:rPr lang="fr-FR" dirty="0" err="1"/>
-              <a:t>ArrayList</a:t>
-            </a:r>
-            <a:r>
-              <a:rPr lang="fr-FR" dirty="0"/>
-              <a:t> de VM</a:t>
-            </a:r>
-          </a:p>
-          <a:p>
-            <a:pPr lvl="1"/>
-            <a:r>
-              <a:rPr lang="fr-FR" dirty="0"/>
-              <a:t>URI de la VM</a:t>
-            </a:r>
-          </a:p>
-          <a:p>
-            <a:pPr lvl="1"/>
-            <a:r>
-              <a:rPr lang="fr-FR" dirty="0"/>
-              <a:t>URI de son port de IN de soumission</a:t>
-            </a:r>
-          </a:p>
-          <a:p>
-            <a:pPr lvl="1"/>
-            <a:r>
-              <a:rPr lang="fr-FR" dirty="0"/>
-              <a:t>URI de son port IN de management</a:t>
-            </a:r>
-          </a:p>
-          <a:p>
-            <a:pPr lvl="1"/>
-            <a:endParaRPr lang="fr-FR" dirty="0"/>
-          </a:p>
-          <a:p>
-            <a:pPr lvl="1"/>
-            <a:endParaRPr lang="fr-FR" dirty="0"/>
-          </a:p>
-        </p:txBody>
-      </p:sp>
-      <p:sp>
-        <p:nvSpPr>
-          <p:cNvPr id="2" name="Espace réservé du numéro de diapositive 1">
-            <a:extLst>
-              <a:ext uri="{FF2B5EF4-FFF2-40B4-BE49-F238E27FC236}">
-                <a16:creationId xmlns:a16="http://schemas.microsoft.com/office/drawing/2014/main" id="{F237F1E2-ED35-4061-990A-D8D21E9D8680}"/>
-              </a:ext>
-            </a:extLst>
-          </p:cNvPr>
-          <p:cNvSpPr>
-            <a:spLocks noGrp="1"/>
-          </p:cNvSpPr>
-          <p:nvPr>
-            <p:ph type="sldNum" sz="quarter" idx="12"/>
-          </p:nvPr>
-        </p:nvSpPr>
-        <p:spPr/>
-        <p:txBody>
-          <a:bodyPr/>
-          <a:lstStyle/>
-          <a:p>
-            <a:pPr rtl="0"/>
-            <a:fld id="{B13333A4-2EF1-4B79-B68C-AB20E66B4822}" type="slidenum">
-              <a:rPr lang="fr-FR" smtClean="0"/>
-              <a:t>5</a:t>
-            </a:fld>
-            <a:endParaRPr lang="fr-FR" dirty="0"/>
+              <a:t>Capteurs</a:t>
+            </a:r>
           </a:p>
         </p:txBody>
       </p:sp>
     </p:spTree>
     <p:extLst>
       <p:ext uri="{BB962C8B-B14F-4D97-AF65-F5344CB8AC3E}">
-        <p14:creationId xmlns:p14="http://schemas.microsoft.com/office/powerpoint/2010/main" val="1131617275"/>
+        <p14:creationId xmlns:p14="http://schemas.microsoft.com/office/powerpoint/2010/main" val="2605912670"/>
       </p:ext>
     </p:extLst>
   </p:cSld>
@@ -8621,13 +9046,7 @@
       </p:grpSpPr>
       <p:sp>
         <p:nvSpPr>
-          <p:cNvPr id="2" name="Titre 1">
-            <a:extLst>
-              <a:ext uri="{FF2B5EF4-FFF2-40B4-BE49-F238E27FC236}">
-                <a16:creationId xmlns:a16="http://schemas.microsoft.com/office/drawing/2014/main" id="{3FD2567D-52C5-4AA6-B624-79328E2B64C8}"/>
-              </a:ext>
-            </a:extLst>
-          </p:cNvPr>
+          <p:cNvPr id="2" name="Titre 1"/>
           <p:cNvSpPr>
             <a:spLocks noGrp="1"/>
           </p:cNvSpPr>
@@ -8637,149 +9056,44 @@
         </p:nvSpPr>
         <p:spPr/>
         <p:txBody>
-          <a:bodyPr/>
+          <a:bodyPr rtlCol="0"/>
           <a:lstStyle/>
           <a:p>
-            <a:endParaRPr lang="fr-FR" dirty="0"/>
-          </a:p>
-        </p:txBody>
-      </p:sp>
-      <p:sp>
-        <p:nvSpPr>
-          <p:cNvPr id="3" name="Espace réservé du contenu 2">
-            <a:extLst>
-              <a:ext uri="{FF2B5EF4-FFF2-40B4-BE49-F238E27FC236}">
-                <a16:creationId xmlns:a16="http://schemas.microsoft.com/office/drawing/2014/main" id="{A8332242-755A-4E7B-8490-550670A1C47B}"/>
-              </a:ext>
-            </a:extLst>
-          </p:cNvPr>
-          <p:cNvSpPr>
-            <a:spLocks noGrp="1"/>
-          </p:cNvSpPr>
-          <p:nvPr>
-            <p:ph sz="half" idx="1"/>
+            <a:pPr rtl="0"/>
+            <a:r>
+              <a:rPr lang="fr-FR" dirty="0"/>
+              <a:t>Conception</a:t>
+            </a:r>
+          </a:p>
+        </p:txBody>
+      </p:sp>
+      <p:sp>
+        <p:nvSpPr>
+          <p:cNvPr id="3" name="Espace réservé du texte 2"/>
+          <p:cNvSpPr>
+            <a:spLocks noGrp="1"/>
+          </p:cNvSpPr>
+          <p:nvPr>
+            <p:ph type="body" idx="1"/>
           </p:nvPr>
         </p:nvSpPr>
         <p:spPr/>
         <p:txBody>
-          <a:bodyPr/>
+          <a:bodyPr rtlCol="0"/>
           <a:lstStyle/>
           <a:p>
-            <a:r>
-              <a:rPr lang="fr-FR" dirty="0">
-                <a:latin typeface="+mj-lt"/>
-              </a:rPr>
-              <a:t>Avantage</a:t>
-            </a:r>
-          </a:p>
-          <a:p>
-            <a:r>
-              <a:rPr lang="fr-FR" dirty="0">
-                <a:latin typeface="+mj-lt"/>
-              </a:rPr>
-              <a:t>Non centralisé</a:t>
-            </a:r>
-          </a:p>
-          <a:p>
-            <a:r>
-              <a:rPr lang="fr-FR" dirty="0">
-                <a:latin typeface="+mj-lt"/>
-              </a:rPr>
-              <a:t>Facile à ajouter / supprimer un </a:t>
-            </a:r>
-            <a:r>
-              <a:rPr lang="fr-FR" dirty="0" err="1">
-                <a:latin typeface="+mj-lt"/>
-              </a:rPr>
-              <a:t>node</a:t>
-            </a:r>
-            <a:endParaRPr lang="fr-FR" dirty="0">
-              <a:latin typeface="+mj-lt"/>
-            </a:endParaRPr>
-          </a:p>
-        </p:txBody>
-      </p:sp>
-      <p:sp>
-        <p:nvSpPr>
-          <p:cNvPr id="4" name="Espace réservé du contenu 3">
-            <a:extLst>
-              <a:ext uri="{FF2B5EF4-FFF2-40B4-BE49-F238E27FC236}">
-                <a16:creationId xmlns:a16="http://schemas.microsoft.com/office/drawing/2014/main" id="{8E03CE1E-0C30-4B21-85E8-60E751020F86}"/>
-              </a:ext>
-            </a:extLst>
-          </p:cNvPr>
-          <p:cNvSpPr>
-            <a:spLocks noGrp="1"/>
-          </p:cNvSpPr>
-          <p:nvPr>
-            <p:ph sz="half" idx="2"/>
-          </p:nvPr>
-        </p:nvSpPr>
-        <p:spPr/>
-        <p:txBody>
-          <a:bodyPr/>
-          <a:lstStyle/>
-          <a:p>
+            <a:pPr rtl="0"/>
             <a:r>
               <a:rPr lang="fr-FR" dirty="0"/>
-              <a:t>Inconvénient</a:t>
-            </a:r>
-          </a:p>
-          <a:p>
-            <a:pPr lvl="1"/>
-            <a:r>
-              <a:rPr lang="fr-FR" dirty="0"/>
-              <a:t>Sensible au crash</a:t>
-            </a:r>
-          </a:p>
-          <a:p>
-            <a:pPr lvl="1"/>
-            <a:r>
-              <a:rPr lang="fr-FR" dirty="0"/>
-              <a:t>Obligé d’arrêter le push de données lors d’ajout et suppression de </a:t>
-            </a:r>
-            <a:r>
-              <a:rPr lang="fr-FR" dirty="0" err="1"/>
-              <a:t>controller</a:t>
-            </a:r>
-            <a:endParaRPr lang="fr-FR" dirty="0"/>
-          </a:p>
-        </p:txBody>
-      </p:sp>
-      <p:sp>
-        <p:nvSpPr>
-          <p:cNvPr id="5" name="Espace réservé du numéro de diapositive 4">
-            <a:extLst>
-              <a:ext uri="{FF2B5EF4-FFF2-40B4-BE49-F238E27FC236}">
-                <a16:creationId xmlns:a16="http://schemas.microsoft.com/office/drawing/2014/main" id="{88467EB7-D799-4703-8443-B39DFD2B77ED}"/>
-              </a:ext>
-            </a:extLst>
-          </p:cNvPr>
-          <p:cNvSpPr>
-            <a:spLocks noGrp="1"/>
-          </p:cNvSpPr>
-          <p:nvPr>
-            <p:ph type="sldNum" sz="quarter" idx="12"/>
-          </p:nvPr>
-        </p:nvSpPr>
-        <p:spPr/>
-        <p:txBody>
-          <a:bodyPr/>
-          <a:lstStyle/>
-          <a:p>
-            <a:pPr rtl="0"/>
-            <a:fld id="{B13333A4-2EF1-4B79-B68C-AB20E66B4822}" type="slidenum">
-              <a:rPr lang="fr-FR" smtClean="0"/>
-              <a:t>6</a:t>
-            </a:fld>
-            <a:endParaRPr lang="fr-FR" dirty="0"/>
+              <a:t>Actionneur</a:t>
+            </a:r>
           </a:p>
         </p:txBody>
       </p:sp>
     </p:spTree>
     <p:extLst>
       <p:ext uri="{BB962C8B-B14F-4D97-AF65-F5344CB8AC3E}">
-        <p14:creationId xmlns:p14="http://schemas.microsoft.com/office/powerpoint/2010/main" val="3024999434"/>
+        <p14:creationId xmlns:p14="http://schemas.microsoft.com/office/powerpoint/2010/main" val="757502898"/>
       </p:ext>
     </p:extLst>
   </p:cSld>
@@ -8820,10 +9134,10 @@
       </p:grpSpPr>
       <p:sp>
         <p:nvSpPr>
-          <p:cNvPr id="2" name="Titre 1">
+          <p:cNvPr id="4" name="Titre 3">
             <a:extLst>
               <a:ext uri="{FF2B5EF4-FFF2-40B4-BE49-F238E27FC236}">
-                <a16:creationId xmlns:a16="http://schemas.microsoft.com/office/drawing/2014/main" id="{7E21FA38-D7B8-476B-8A9F-8D4702CE4DD1}"/>
+                <a16:creationId xmlns:a16="http://schemas.microsoft.com/office/drawing/2014/main" id="{8A5EE792-D420-4E79-A825-D127778FD68F}"/>
               </a:ext>
             </a:extLst>
           </p:cNvPr>
@@ -8839,19 +9153,16 @@
           <a:bodyPr/>
           <a:lstStyle/>
           <a:p>
-            <a:r>
-              <a:rPr lang="fr-FR" dirty="0"/>
-              <a:t>Implémentation</a:t>
-            </a:r>
-          </a:p>
-        </p:txBody>
-      </p:sp>
-      <p:sp>
-        <p:nvSpPr>
-          <p:cNvPr id="3" name="Espace réservé du texte 2">
+            <a:endParaRPr lang="fr-FR"/>
+          </a:p>
+        </p:txBody>
+      </p:sp>
+      <p:sp>
+        <p:nvSpPr>
+          <p:cNvPr id="5" name="Espace réservé du contenu 4">
             <a:extLst>
               <a:ext uri="{FF2B5EF4-FFF2-40B4-BE49-F238E27FC236}">
-                <a16:creationId xmlns:a16="http://schemas.microsoft.com/office/drawing/2014/main" id="{4E193424-6C1D-4F81-BF85-8B259B138CF6}"/>
+                <a16:creationId xmlns:a16="http://schemas.microsoft.com/office/drawing/2014/main" id="{3D3C2EED-FFB4-4923-AFD9-F00982A37E4B}"/>
               </a:ext>
             </a:extLst>
           </p:cNvPr>
@@ -8859,7 +9170,7 @@
             <a:spLocks noGrp="1"/>
           </p:cNvSpPr>
           <p:nvPr>
-            <p:ph type="body" idx="1"/>
+            <p:ph idx="1"/>
           </p:nvPr>
         </p:nvSpPr>
         <p:spPr/>
@@ -8874,7 +9185,7 @@
     </p:spTree>
     <p:extLst>
       <p:ext uri="{BB962C8B-B14F-4D97-AF65-F5344CB8AC3E}">
-        <p14:creationId xmlns:p14="http://schemas.microsoft.com/office/powerpoint/2010/main" val="3370601921"/>
+        <p14:creationId xmlns:p14="http://schemas.microsoft.com/office/powerpoint/2010/main" val="1814889396"/>
       </p:ext>
     </p:extLst>
   </p:cSld>
@@ -8915,113 +9226,100 @@
       </p:grpSpPr>
       <p:sp>
         <p:nvSpPr>
-          <p:cNvPr id="2" name="Titre 1"/>
-          <p:cNvSpPr>
-            <a:spLocks noGrp="1"/>
-          </p:cNvSpPr>
-          <p:nvPr>
-            <p:ph type="title"/>
-          </p:nvPr>
-        </p:nvSpPr>
-        <p:spPr/>
-        <p:txBody>
-          <a:bodyPr rtlCol="0"/>
-          <a:lstStyle/>
-          <a:p>
-            <a:pPr rtl="0"/>
-            <a:r>
-              <a:rPr lang="fr-FR" dirty="0"/>
-              <a:t>Ajouter un titre de diapositive - 2</a:t>
-            </a:r>
-          </a:p>
-        </p:txBody>
-      </p:sp>
-      <p:sp>
-        <p:nvSpPr>
-          <p:cNvPr id="3" name="Espace réservé du texte 2"/>
-          <p:cNvSpPr>
-            <a:spLocks noGrp="1"/>
-          </p:cNvSpPr>
-          <p:nvPr>
-            <p:ph type="body" idx="1"/>
-          </p:nvPr>
-        </p:nvSpPr>
-        <p:spPr/>
-        <p:txBody>
-          <a:bodyPr rtlCol="0"/>
-          <a:lstStyle/>
-          <a:p>
-            <a:pPr rtl="0"/>
-            <a:endParaRPr lang="fr-FR" dirty="0"/>
-          </a:p>
-        </p:txBody>
-      </p:sp>
-      <p:sp>
-        <p:nvSpPr>
-          <p:cNvPr id="4" name="Espace réservé du contenu 3"/>
-          <p:cNvSpPr>
-            <a:spLocks noGrp="1"/>
-          </p:cNvSpPr>
-          <p:nvPr>
-            <p:ph sz="half" idx="2"/>
-          </p:nvPr>
-        </p:nvSpPr>
-        <p:spPr/>
-        <p:txBody>
-          <a:bodyPr rtlCol="0"/>
-          <a:lstStyle/>
-          <a:p>
-            <a:pPr rtl="0"/>
-            <a:endParaRPr lang="fr-FR" dirty="0"/>
-          </a:p>
-        </p:txBody>
-      </p:sp>
-      <p:sp>
-        <p:nvSpPr>
-          <p:cNvPr id="5" name="Espace réservé du texte 4"/>
-          <p:cNvSpPr>
-            <a:spLocks noGrp="1"/>
-          </p:cNvSpPr>
-          <p:nvPr>
-            <p:ph type="body" sz="quarter" idx="3"/>
-          </p:nvPr>
-        </p:nvSpPr>
-        <p:spPr/>
-        <p:txBody>
-          <a:bodyPr rtlCol="0"/>
-          <a:lstStyle/>
-          <a:p>
-            <a:pPr rtl="0"/>
-            <a:endParaRPr lang="fr-FR" dirty="0"/>
-          </a:p>
-        </p:txBody>
-      </p:sp>
-      <p:sp>
-        <p:nvSpPr>
-          <p:cNvPr id="6" name="Espace réservé du contenu 5"/>
-          <p:cNvSpPr>
-            <a:spLocks noGrp="1"/>
-          </p:cNvSpPr>
-          <p:nvPr>
-            <p:ph sz="quarter" idx="4"/>
-          </p:nvPr>
-        </p:nvSpPr>
-        <p:spPr/>
-        <p:txBody>
-          <a:bodyPr rtlCol="0"/>
-          <a:lstStyle/>
-          <a:p>
-            <a:pPr rtl="0"/>
-            <a:endParaRPr lang="fr-FR" dirty="0"/>
-          </a:p>
-        </p:txBody>
-      </p:sp>
-      <p:sp>
-        <p:nvSpPr>
-          <p:cNvPr id="7" name="Espace réservé du numéro de diapositive 6">
+          <p:cNvPr id="12" name="Titre 11">
             <a:extLst>
               <a:ext uri="{FF2B5EF4-FFF2-40B4-BE49-F238E27FC236}">
-                <a16:creationId xmlns:a16="http://schemas.microsoft.com/office/drawing/2014/main" id="{6777831A-E301-466D-94E0-8C0059930608}"/>
+                <a16:creationId xmlns:a16="http://schemas.microsoft.com/office/drawing/2014/main" id="{D9EF3055-49D9-4A0E-963D-9C4C5A77C344}"/>
+              </a:ext>
+            </a:extLst>
+          </p:cNvPr>
+          <p:cNvSpPr>
+            <a:spLocks noGrp="1"/>
+          </p:cNvSpPr>
+          <p:nvPr>
+            <p:ph type="title"/>
+          </p:nvPr>
+        </p:nvSpPr>
+        <p:spPr/>
+        <p:txBody>
+          <a:bodyPr/>
+          <a:lstStyle/>
+          <a:p>
+            <a:r>
+              <a:rPr lang="fr-FR" dirty="0"/>
+              <a:t>Ring Network</a:t>
+            </a:r>
+          </a:p>
+        </p:txBody>
+      </p:sp>
+      <p:graphicFrame>
+        <p:nvGraphicFramePr>
+          <p:cNvPr id="11" name="Espace réservé du contenu 10">
+            <a:extLst>
+              <a:ext uri="{FF2B5EF4-FFF2-40B4-BE49-F238E27FC236}">
+                <a16:creationId xmlns:a16="http://schemas.microsoft.com/office/drawing/2014/main" id="{5DDF1697-15BD-4715-96C3-CCF8C113E315}"/>
+              </a:ext>
+            </a:extLst>
+          </p:cNvPr>
+          <p:cNvGraphicFramePr>
+            <a:graphicFrameLocks noGrp="1"/>
+          </p:cNvGraphicFramePr>
+          <p:nvPr>
+            <p:ph sz="half" idx="1"/>
+            <p:extLst>
+              <p:ext uri="{D42A27DB-BD31-4B8C-83A1-F6EECF244321}">
+                <p14:modId xmlns:p14="http://schemas.microsoft.com/office/powerpoint/2010/main" val="3328096338"/>
+              </p:ext>
+            </p:extLst>
+          </p:nvPr>
+        </p:nvGraphicFramePr>
+        <p:xfrm>
+          <a:off x="838200" y="1825625"/>
+          <a:ext cx="5029200" cy="4351338"/>
+        </p:xfrm>
+        <a:graphic>
+          <a:graphicData uri="http://schemas.openxmlformats.org/drawingml/2006/diagram">
+            <dgm:relIds xmlns:dgm="http://schemas.openxmlformats.org/drawingml/2006/diagram" xmlns:r="http://schemas.openxmlformats.org/officeDocument/2006/relationships" r:dm="rId2" r:lo="rId3" r:qs="rId4" r:cs="rId5"/>
+          </a:graphicData>
+        </a:graphic>
+      </p:graphicFrame>
+      <p:sp>
+        <p:nvSpPr>
+          <p:cNvPr id="13" name="Espace réservé du contenu 12">
+            <a:extLst>
+              <a:ext uri="{FF2B5EF4-FFF2-40B4-BE49-F238E27FC236}">
+                <a16:creationId xmlns:a16="http://schemas.microsoft.com/office/drawing/2014/main" id="{595D8FC3-C02E-41E4-A05E-683B729B65A4}"/>
+              </a:ext>
+            </a:extLst>
+          </p:cNvPr>
+          <p:cNvSpPr>
+            <a:spLocks noGrp="1"/>
+          </p:cNvSpPr>
+          <p:nvPr>
+            <p:ph sz="half" idx="2"/>
+          </p:nvPr>
+        </p:nvSpPr>
+        <p:spPr/>
+        <p:txBody>
+          <a:bodyPr/>
+          <a:lstStyle/>
+          <a:p>
+            <a:r>
+              <a:rPr lang="fr-FR" dirty="0"/>
+              <a:t>Fonctionnement en pulse (faut chercher le mot)</a:t>
+            </a:r>
+          </a:p>
+          <a:p>
+            <a:endParaRPr lang="fr-FR" dirty="0"/>
+          </a:p>
+        </p:txBody>
+      </p:sp>
+      <p:sp>
+        <p:nvSpPr>
+          <p:cNvPr id="2" name="Espace réservé du numéro de diapositive 1">
+            <a:extLst>
+              <a:ext uri="{FF2B5EF4-FFF2-40B4-BE49-F238E27FC236}">
+                <a16:creationId xmlns:a16="http://schemas.microsoft.com/office/drawing/2014/main" id="{F237F1E2-ED35-4061-990A-D8D21E9D8680}"/>
               </a:ext>
             </a:extLst>
           </p:cNvPr>
@@ -9046,10 +9344,46 @@
           </a:p>
         </p:txBody>
       </p:sp>
+      <p:pic>
+        <p:nvPicPr>
+          <p:cNvPr id="4" name="Image 3" descr="Une image contenant capture d’écran&#10;&#10;Description générée avec un niveau de confiance très élevé">
+            <a:extLst>
+              <a:ext uri="{FF2B5EF4-FFF2-40B4-BE49-F238E27FC236}">
+                <a16:creationId xmlns:a16="http://schemas.microsoft.com/office/drawing/2014/main" id="{B62DD338-0FB7-45F4-9BF4-5448D6025450}"/>
+              </a:ext>
+            </a:extLst>
+          </p:cNvPr>
+          <p:cNvPicPr>
+            <a:picLocks noChangeAspect="1"/>
+          </p:cNvPicPr>
+          <p:nvPr/>
+        </p:nvPicPr>
+        <p:blipFill>
+          <a:blip r:embed="rId7">
+            <a:extLst>
+              <a:ext uri="{28A0092B-C50C-407E-A947-70E740481C1C}">
+                <a14:useLocalDpi xmlns:a14="http://schemas.microsoft.com/office/drawing/2010/main" val="0"/>
+              </a:ext>
+            </a:extLst>
+          </a:blip>
+          <a:stretch>
+            <a:fillRect/>
+          </a:stretch>
+        </p:blipFill>
+        <p:spPr>
+          <a:xfrm>
+            <a:off x="6416092" y="2841334"/>
+            <a:ext cx="4057650" cy="1695450"/>
+          </a:xfrm>
+          <a:prstGeom prst="rect">
+            <a:avLst/>
+          </a:prstGeom>
+        </p:spPr>
+      </p:pic>
     </p:spTree>
     <p:extLst>
       <p:ext uri="{BB962C8B-B14F-4D97-AF65-F5344CB8AC3E}">
-        <p14:creationId xmlns:p14="http://schemas.microsoft.com/office/powerpoint/2010/main" val="3387061768"/>
+        <p14:creationId xmlns:p14="http://schemas.microsoft.com/office/powerpoint/2010/main" val="1131617275"/>
       </p:ext>
     </p:extLst>
   </p:cSld>
@@ -9090,33 +9424,137 @@
       </p:grpSpPr>
       <p:sp>
         <p:nvSpPr>
-          <p:cNvPr id="2" name="Titre 1"/>
-          <p:cNvSpPr>
-            <a:spLocks noGrp="1"/>
-          </p:cNvSpPr>
-          <p:nvPr>
-            <p:ph type="title"/>
-          </p:nvPr>
-        </p:nvSpPr>
-        <p:spPr/>
-        <p:txBody>
-          <a:bodyPr rtlCol="0"/>
-          <a:lstStyle/>
-          <a:p>
-            <a:pPr rtl="0"/>
-            <a:r>
-              <a:rPr lang="fr-FR" dirty="0"/>
-              <a:t>Ajouter un titre de diapositive - 3</a:t>
-            </a:r>
-          </a:p>
-        </p:txBody>
-      </p:sp>
-      <p:sp>
-        <p:nvSpPr>
-          <p:cNvPr id="3" name="Espace réservé du numéro de diapositive 2">
+          <p:cNvPr id="2" name="Titre 1">
             <a:extLst>
               <a:ext uri="{FF2B5EF4-FFF2-40B4-BE49-F238E27FC236}">
-                <a16:creationId xmlns:a16="http://schemas.microsoft.com/office/drawing/2014/main" id="{C1E6598F-6401-460E-9D1A-AEFFE3BC9D3B}"/>
+                <a16:creationId xmlns:a16="http://schemas.microsoft.com/office/drawing/2014/main" id="{3FD2567D-52C5-4AA6-B624-79328E2B64C8}"/>
+              </a:ext>
+            </a:extLst>
+          </p:cNvPr>
+          <p:cNvSpPr>
+            <a:spLocks noGrp="1"/>
+          </p:cNvSpPr>
+          <p:nvPr>
+            <p:ph type="title"/>
+          </p:nvPr>
+        </p:nvSpPr>
+        <p:spPr/>
+        <p:txBody>
+          <a:bodyPr/>
+          <a:lstStyle/>
+          <a:p>
+            <a:endParaRPr lang="fr-FR" dirty="0"/>
+          </a:p>
+        </p:txBody>
+      </p:sp>
+      <p:sp>
+        <p:nvSpPr>
+          <p:cNvPr id="3" name="Espace réservé du contenu 2">
+            <a:extLst>
+              <a:ext uri="{FF2B5EF4-FFF2-40B4-BE49-F238E27FC236}">
+                <a16:creationId xmlns:a16="http://schemas.microsoft.com/office/drawing/2014/main" id="{A8332242-755A-4E7B-8490-550670A1C47B}"/>
+              </a:ext>
+            </a:extLst>
+          </p:cNvPr>
+          <p:cNvSpPr>
+            <a:spLocks noGrp="1"/>
+          </p:cNvSpPr>
+          <p:nvPr>
+            <p:ph sz="half" idx="1"/>
+          </p:nvPr>
+        </p:nvSpPr>
+        <p:spPr/>
+        <p:txBody>
+          <a:bodyPr/>
+          <a:lstStyle/>
+          <a:p>
+            <a:r>
+              <a:rPr lang="fr-FR" dirty="0">
+                <a:latin typeface="+mj-lt"/>
+              </a:rPr>
+              <a:t>Avantage</a:t>
+            </a:r>
+          </a:p>
+          <a:p>
+            <a:r>
+              <a:rPr lang="fr-FR" dirty="0">
+                <a:latin typeface="+mj-lt"/>
+              </a:rPr>
+              <a:t>Non centralisé</a:t>
+            </a:r>
+          </a:p>
+          <a:p>
+            <a:r>
+              <a:rPr lang="fr-FR" dirty="0">
+                <a:latin typeface="+mj-lt"/>
+              </a:rPr>
+              <a:t>Facile à ajouter / supprimer un </a:t>
+            </a:r>
+            <a:r>
+              <a:rPr lang="fr-FR" dirty="0" err="1">
+                <a:latin typeface="+mj-lt"/>
+              </a:rPr>
+              <a:t>node</a:t>
+            </a:r>
+            <a:endParaRPr lang="fr-FR" dirty="0">
+              <a:latin typeface="+mj-lt"/>
+            </a:endParaRPr>
+          </a:p>
+        </p:txBody>
+      </p:sp>
+      <p:sp>
+        <p:nvSpPr>
+          <p:cNvPr id="4" name="Espace réservé du contenu 3">
+            <a:extLst>
+              <a:ext uri="{FF2B5EF4-FFF2-40B4-BE49-F238E27FC236}">
+                <a16:creationId xmlns:a16="http://schemas.microsoft.com/office/drawing/2014/main" id="{8E03CE1E-0C30-4B21-85E8-60E751020F86}"/>
+              </a:ext>
+            </a:extLst>
+          </p:cNvPr>
+          <p:cNvSpPr>
+            <a:spLocks noGrp="1"/>
+          </p:cNvSpPr>
+          <p:nvPr>
+            <p:ph sz="half" idx="2"/>
+          </p:nvPr>
+        </p:nvSpPr>
+        <p:spPr/>
+        <p:txBody>
+          <a:bodyPr/>
+          <a:lstStyle/>
+          <a:p>
+            <a:r>
+              <a:rPr lang="fr-FR" dirty="0"/>
+              <a:t>Inconvénient</a:t>
+            </a:r>
+          </a:p>
+          <a:p>
+            <a:pPr lvl="1"/>
+            <a:r>
+              <a:rPr lang="fr-FR" dirty="0"/>
+              <a:t>Sensible au crash</a:t>
+            </a:r>
+          </a:p>
+          <a:p>
+            <a:pPr lvl="1"/>
+            <a:r>
+              <a:rPr lang="fr-FR" dirty="0"/>
+              <a:t>Obligé d’arrêter le push de données lors d’ajout et suppression d’un </a:t>
+            </a:r>
+            <a:r>
+              <a:rPr lang="fr-FR" dirty="0" err="1"/>
+              <a:t>controller</a:t>
+            </a:r>
+            <a:endParaRPr lang="fr-FR" dirty="0"/>
+          </a:p>
+        </p:txBody>
+      </p:sp>
+      <p:sp>
+        <p:nvSpPr>
+          <p:cNvPr id="5" name="Espace réservé du numéro de diapositive 4">
+            <a:extLst>
+              <a:ext uri="{FF2B5EF4-FFF2-40B4-BE49-F238E27FC236}">
+                <a16:creationId xmlns:a16="http://schemas.microsoft.com/office/drawing/2014/main" id="{88467EB7-D799-4703-8443-B39DFD2B77ED}"/>
               </a:ext>
             </a:extLst>
           </p:cNvPr>
@@ -9144,7 +9582,7 @@
     </p:spTree>
     <p:extLst>
       <p:ext uri="{BB962C8B-B14F-4D97-AF65-F5344CB8AC3E}">
-        <p14:creationId xmlns:p14="http://schemas.microsoft.com/office/powerpoint/2010/main" val="3440500440"/>
+        <p14:creationId xmlns:p14="http://schemas.microsoft.com/office/powerpoint/2010/main" val="3024999434"/>
       </p:ext>
     </p:extLst>
   </p:cSld>
